--- a/Bootcamp_final/presentation/CitiBike_Final.pptx
+++ b/Bootcamp_final/presentation/CitiBike_Final.pptx
@@ -271,7 +271,7 @@
           <a:p>
             <a:fld id="{9184DA70-C731-4C70-880D-CCD4705E623C}" type="datetime1">
               <a:rPr lang="en-US" smtClean="0"/>
-              <a:t>2/4/2020</a:t>
+              <a:t>2/4/20</a:t>
             </a:fld>
             <a:endParaRPr lang="en-US" dirty="0"/>
           </a:p>
@@ -469,7 +469,7 @@
           <a:p>
             <a:fld id="{B612A279-0833-481D-8C56-F67FD0AC6C50}" type="datetime1">
               <a:rPr lang="en-US" smtClean="0"/>
-              <a:t>2/4/2020</a:t>
+              <a:t>2/4/20</a:t>
             </a:fld>
             <a:endParaRPr lang="en-US" dirty="0"/>
           </a:p>
@@ -677,7 +677,7 @@
           <a:p>
             <a:fld id="{6587DA83-5663-4C9C-B9AA-0B40A3DAFF81}" type="datetime1">
               <a:rPr lang="en-US" smtClean="0"/>
-              <a:t>2/4/2020</a:t>
+              <a:t>2/4/20</a:t>
             </a:fld>
             <a:endParaRPr lang="en-US" dirty="0"/>
           </a:p>
@@ -875,7 +875,7 @@
           <a:p>
             <a:fld id="{4BE1D723-8F53-4F53-90B0-1982A396982E}" type="datetime1">
               <a:rPr lang="en-US" smtClean="0"/>
-              <a:t>2/4/2020</a:t>
+              <a:t>2/4/20</a:t>
             </a:fld>
             <a:endParaRPr lang="en-US" dirty="0"/>
           </a:p>
@@ -1150,7 +1150,7 @@
           <a:p>
             <a:fld id="{97669AF7-7BEB-44E4-9852-375E34362B5B}" type="datetime1">
               <a:rPr lang="en-US" smtClean="0"/>
-              <a:t>2/4/2020</a:t>
+              <a:t>2/4/20</a:t>
             </a:fld>
             <a:endParaRPr lang="en-US" dirty="0"/>
           </a:p>
@@ -1415,7 +1415,7 @@
           <a:p>
             <a:fld id="{BAAAC38D-0552-4C82-B593-E6124DFADBE2}" type="datetime1">
               <a:rPr lang="en-US" smtClean="0"/>
-              <a:t>2/4/2020</a:t>
+              <a:t>2/4/20</a:t>
             </a:fld>
             <a:endParaRPr lang="en-US" dirty="0"/>
           </a:p>
@@ -1827,7 +1827,7 @@
           <a:p>
             <a:fld id="{D9DF0F1C-5577-4ACB-BB62-DF8F3C494C7E}" type="datetime1">
               <a:rPr lang="en-US" smtClean="0"/>
-              <a:t>2/4/2020</a:t>
+              <a:t>2/4/20</a:t>
             </a:fld>
             <a:endParaRPr lang="en-US" dirty="0"/>
           </a:p>
@@ -1968,7 +1968,7 @@
           <a:p>
             <a:fld id="{1775B394-D9F9-4F0C-B15D-605F45CB9E9F}" type="datetime1">
               <a:rPr lang="en-US" smtClean="0"/>
-              <a:t>2/4/2020</a:t>
+              <a:t>2/4/20</a:t>
             </a:fld>
             <a:endParaRPr lang="en-US" dirty="0"/>
           </a:p>
@@ -2081,7 +2081,7 @@
           <a:p>
             <a:fld id="{39667345-2558-425A-8533-9BFDBCE15005}" type="datetime1">
               <a:rPr lang="en-US" smtClean="0"/>
-              <a:t>2/4/2020</a:t>
+              <a:t>2/4/20</a:t>
             </a:fld>
             <a:endParaRPr lang="en-US" dirty="0"/>
           </a:p>
@@ -2392,7 +2392,7 @@
           <a:p>
             <a:fld id="{92BEA474-078D-4E9B-9B14-09A87B19DC46}" type="datetime1">
               <a:rPr lang="en-US" smtClean="0"/>
-              <a:t>2/4/2020</a:t>
+              <a:t>2/4/20</a:t>
             </a:fld>
             <a:endParaRPr lang="en-US" dirty="0"/>
           </a:p>
@@ -2684,7 +2684,7 @@
           <a:p>
             <a:fld id="{4907D986-8816-4272-A432-0437A28A9828}" type="datetime1">
               <a:rPr lang="en-US" smtClean="0"/>
-              <a:t>2/4/2020</a:t>
+              <a:t>2/4/20</a:t>
             </a:fld>
             <a:endParaRPr lang="en-US" dirty="0"/>
           </a:p>
@@ -2926,7 +2926,7 @@
           <a:p>
             <a:fld id="{62D6E202-B606-4609-B914-27C9371A1F6D}" type="datetime1">
               <a:rPr lang="en-US" smtClean="0"/>
-              <a:t>2/4/2020</a:t>
+              <a:t>2/4/20</a:t>
             </a:fld>
             <a:endParaRPr lang="en-US" dirty="0"/>
           </a:p>
@@ -4040,10 +4040,10 @@
       </p:sp>
       <p:pic>
         <p:nvPicPr>
-          <p:cNvPr id="7" name="Picture 6">
-            <a:extLst>
-              <a:ext uri="{FF2B5EF4-FFF2-40B4-BE49-F238E27FC236}">
-                <a16:creationId xmlns:a16="http://schemas.microsoft.com/office/drawing/2014/main" id="{AAE5513F-2FC8-42C3-BFC5-C447C90FAEA9}"/>
+          <p:cNvPr id="9" name="Picture 8" descr="A close up of a map&#10;&#10;Description automatically generated">
+            <a:extLst>
+              <a:ext uri="{FF2B5EF4-FFF2-40B4-BE49-F238E27FC236}">
+                <a16:creationId xmlns:a16="http://schemas.microsoft.com/office/drawing/2014/main" id="{7C12D73D-9D04-3845-BA3F-E7F47B22CD0B}"/>
               </a:ext>
             </a:extLst>
           </p:cNvPr>
@@ -4060,8 +4060,8 @@
         </p:blipFill>
         <p:spPr>
           <a:xfrm>
-            <a:off x="6963508" y="1417823"/>
-            <a:ext cx="3942544" cy="4454852"/>
+            <a:off x="7216048" y="1703811"/>
+            <a:ext cx="4160757" cy="4086723"/>
           </a:xfrm>
           <a:prstGeom prst="rect">
             <a:avLst/>
@@ -4206,6 +4206,75 @@
           </a:p>
           <a:p>
             <a:endParaRPr lang="en-US" sz="2400" dirty="0"/>
+          </a:p>
+        </p:txBody>
+      </p:sp>
+      <p:sp>
+        <p:nvSpPr>
+          <p:cNvPr id="3" name="TextBox 2">
+            <a:extLst>
+              <a:ext uri="{FF2B5EF4-FFF2-40B4-BE49-F238E27FC236}">
+                <a16:creationId xmlns:a16="http://schemas.microsoft.com/office/drawing/2014/main" id="{1C18B3A1-A677-2B41-B234-B921238B9F71}"/>
+              </a:ext>
+            </a:extLst>
+          </p:cNvPr>
+          <p:cNvSpPr txBox="1"/>
+          <p:nvPr/>
+        </p:nvSpPr>
+        <p:spPr>
+          <a:xfrm>
+            <a:off x="1417320" y="4560570"/>
+            <a:ext cx="7943850" cy="1200329"/>
+          </a:xfrm>
+          <a:prstGeom prst="rect">
+            <a:avLst/>
+          </a:prstGeom>
+          <a:noFill/>
+        </p:spPr>
+        <p:txBody>
+          <a:bodyPr wrap="square" rtlCol="0">
+            <a:spAutoFit/>
+          </a:bodyPr>
+          <a:lstStyle/>
+          <a:p>
+            <a:pPr marL="285750" indent="-285750">
+              <a:buFont typeface="Arial" panose="020B0604020202020204" pitchFamily="34" charset="0"/>
+              <a:buChar char="•"/>
+            </a:pPr>
+            <a:r>
+              <a:rPr lang="en-US" dirty="0"/>
+              <a:t>Submit specific site locations to Jersey City for final approval</a:t>
+            </a:r>
+          </a:p>
+          <a:p>
+            <a:pPr marL="285750" indent="-285750">
+              <a:buFont typeface="Arial" panose="020B0604020202020204" pitchFamily="34" charset="0"/>
+              <a:buChar char="•"/>
+            </a:pPr>
+            <a:r>
+              <a:rPr lang="en-US" dirty="0"/>
+              <a:t>Jersey City to approve new public right-of-way permits</a:t>
+            </a:r>
+          </a:p>
+          <a:p>
+            <a:pPr marL="285750" indent="-285750">
+              <a:buFont typeface="Arial" panose="020B0604020202020204" pitchFamily="34" charset="0"/>
+              <a:buChar char="•"/>
+            </a:pPr>
+            <a:r>
+              <a:rPr lang="en-US" dirty="0"/>
+              <a:t>Jersey City to approve equitable increase to current grant </a:t>
+            </a:r>
+          </a:p>
+          <a:p>
+            <a:pPr marL="285750" indent="-285750">
+              <a:buFont typeface="Arial" panose="020B0604020202020204" pitchFamily="34" charset="0"/>
+              <a:buChar char="•"/>
+            </a:pPr>
+            <a:r>
+              <a:rPr lang="en-US" dirty="0"/>
+              <a:t>Citi Bike to develop targeted marketing campaign for new and existing stations</a:t>
+            </a:r>
           </a:p>
         </p:txBody>
       </p:sp>
